--- a/Baldriod presentation.pptx
+++ b/Baldriod presentation.pptx
@@ -254,7 +254,7 @@
           <a:p>
             <a:fld id="{26BD3A8C-E6BA-446C-BD90-C152BB4427B1}" type="datetimeFigureOut">
               <a:rPr lang="hu-HU" smtClean="0"/>
-              <a:t>2024. 05. 17.</a:t>
+              <a:t>2024. 05. 21.</a:t>
             </a:fld>
             <a:endParaRPr lang="hu-HU"/>
           </a:p>
@@ -541,7 +541,7 @@
           <a:p>
             <a:fld id="{26BD3A8C-E6BA-446C-BD90-C152BB4427B1}" type="datetimeFigureOut">
               <a:rPr lang="hu-HU" smtClean="0"/>
-              <a:t>2024. 05. 17.</a:t>
+              <a:t>2024. 05. 21.</a:t>
             </a:fld>
             <a:endParaRPr lang="hu-HU"/>
           </a:p>
@@ -733,7 +733,7 @@
           <a:p>
             <a:fld id="{26BD3A8C-E6BA-446C-BD90-C152BB4427B1}" type="datetimeFigureOut">
               <a:rPr lang="hu-HU" smtClean="0"/>
-              <a:t>2024. 05. 17.</a:t>
+              <a:t>2024. 05. 21.</a:t>
             </a:fld>
             <a:endParaRPr lang="hu-HU"/>
           </a:p>
@@ -994,7 +994,7 @@
           <a:p>
             <a:fld id="{26BD3A8C-E6BA-446C-BD90-C152BB4427B1}" type="datetimeFigureOut">
               <a:rPr lang="hu-HU" smtClean="0"/>
-              <a:t>2024. 05. 17.</a:t>
+              <a:t>2024. 05. 21.</a:t>
             </a:fld>
             <a:endParaRPr lang="hu-HU"/>
           </a:p>
@@ -1418,7 +1418,7 @@
           <a:p>
             <a:fld id="{26BD3A8C-E6BA-446C-BD90-C152BB4427B1}" type="datetimeFigureOut">
               <a:rPr lang="hu-HU" smtClean="0"/>
-              <a:t>2024. 05. 17.</a:t>
+              <a:t>2024. 05. 21.</a:t>
             </a:fld>
             <a:endParaRPr lang="hu-HU"/>
           </a:p>
@@ -1964,7 +1964,7 @@
           <a:p>
             <a:fld id="{26BD3A8C-E6BA-446C-BD90-C152BB4427B1}" type="datetimeFigureOut">
               <a:rPr lang="hu-HU" smtClean="0"/>
-              <a:t>2024. 05. 17.</a:t>
+              <a:t>2024. 05. 21.</a:t>
             </a:fld>
             <a:endParaRPr lang="hu-HU"/>
           </a:p>
@@ -2804,7 +2804,7 @@
           <a:p>
             <a:fld id="{26BD3A8C-E6BA-446C-BD90-C152BB4427B1}" type="datetimeFigureOut">
               <a:rPr lang="hu-HU" smtClean="0"/>
-              <a:t>2024. 05. 17.</a:t>
+              <a:t>2024. 05. 21.</a:t>
             </a:fld>
             <a:endParaRPr lang="hu-HU"/>
           </a:p>
@@ -2974,7 +2974,7 @@
           <a:p>
             <a:fld id="{26BD3A8C-E6BA-446C-BD90-C152BB4427B1}" type="datetimeFigureOut">
               <a:rPr lang="hu-HU" smtClean="0"/>
-              <a:t>2024. 05. 17.</a:t>
+              <a:t>2024. 05. 21.</a:t>
             </a:fld>
             <a:endParaRPr lang="hu-HU"/>
           </a:p>
@@ -3158,7 +3158,7 @@
           <a:p>
             <a:fld id="{26BD3A8C-E6BA-446C-BD90-C152BB4427B1}" type="datetimeFigureOut">
               <a:rPr lang="hu-HU" smtClean="0"/>
-              <a:t>2024. 05. 17.</a:t>
+              <a:t>2024. 05. 21.</a:t>
             </a:fld>
             <a:endParaRPr lang="hu-HU"/>
           </a:p>
@@ -3328,7 +3328,7 @@
           <a:p>
             <a:fld id="{26BD3A8C-E6BA-446C-BD90-C152BB4427B1}" type="datetimeFigureOut">
               <a:rPr lang="hu-HU" smtClean="0"/>
-              <a:t>2024. 05. 17.</a:t>
+              <a:t>2024. 05. 21.</a:t>
             </a:fld>
             <a:endParaRPr lang="hu-HU"/>
           </a:p>
@@ -3576,7 +3576,7 @@
           <a:p>
             <a:fld id="{26BD3A8C-E6BA-446C-BD90-C152BB4427B1}" type="datetimeFigureOut">
               <a:rPr lang="hu-HU" smtClean="0"/>
-              <a:t>2024. 05. 17.</a:t>
+              <a:t>2024. 05. 21.</a:t>
             </a:fld>
             <a:endParaRPr lang="hu-HU"/>
           </a:p>
@@ -3813,7 +3813,7 @@
           <a:p>
             <a:fld id="{26BD3A8C-E6BA-446C-BD90-C152BB4427B1}" type="datetimeFigureOut">
               <a:rPr lang="hu-HU" smtClean="0"/>
-              <a:t>2024. 05. 17.</a:t>
+              <a:t>2024. 05. 21.</a:t>
             </a:fld>
             <a:endParaRPr lang="hu-HU"/>
           </a:p>
@@ -4186,7 +4186,7 @@
           <a:p>
             <a:fld id="{26BD3A8C-E6BA-446C-BD90-C152BB4427B1}" type="datetimeFigureOut">
               <a:rPr lang="hu-HU" smtClean="0"/>
-              <a:t>2024. 05. 17.</a:t>
+              <a:t>2024. 05. 21.</a:t>
             </a:fld>
             <a:endParaRPr lang="hu-HU"/>
           </a:p>
@@ -4304,7 +4304,7 @@
           <a:p>
             <a:fld id="{26BD3A8C-E6BA-446C-BD90-C152BB4427B1}" type="datetimeFigureOut">
               <a:rPr lang="hu-HU" smtClean="0"/>
-              <a:t>2024. 05. 17.</a:t>
+              <a:t>2024. 05. 21.</a:t>
             </a:fld>
             <a:endParaRPr lang="hu-HU"/>
           </a:p>
@@ -4399,7 +4399,7 @@
           <a:p>
             <a:fld id="{26BD3A8C-E6BA-446C-BD90-C152BB4427B1}" type="datetimeFigureOut">
               <a:rPr lang="hu-HU" smtClean="0"/>
-              <a:t>2024. 05. 17.</a:t>
+              <a:t>2024. 05. 21.</a:t>
             </a:fld>
             <a:endParaRPr lang="hu-HU"/>
           </a:p>
@@ -4650,7 +4650,7 @@
           <a:p>
             <a:fld id="{26BD3A8C-E6BA-446C-BD90-C152BB4427B1}" type="datetimeFigureOut">
               <a:rPr lang="hu-HU" smtClean="0"/>
-              <a:t>2024. 05. 17.</a:t>
+              <a:t>2024. 05. 21.</a:t>
             </a:fld>
             <a:endParaRPr lang="hu-HU"/>
           </a:p>
@@ -4937,7 +4937,7 @@
           <a:p>
             <a:fld id="{26BD3A8C-E6BA-446C-BD90-C152BB4427B1}" type="datetimeFigureOut">
               <a:rPr lang="hu-HU" smtClean="0"/>
-              <a:t>2024. 05. 17.</a:t>
+              <a:t>2024. 05. 21.</a:t>
             </a:fld>
             <a:endParaRPr lang="hu-HU"/>
           </a:p>
@@ -5150,7 +5150,7 @@
           <a:p>
             <a:fld id="{26BD3A8C-E6BA-446C-BD90-C152BB4427B1}" type="datetimeFigureOut">
               <a:rPr lang="hu-HU" smtClean="0"/>
-              <a:t>2024. 05. 17.</a:t>
+              <a:t>2024. 05. 21.</a:t>
             </a:fld>
             <a:endParaRPr lang="hu-HU"/>
           </a:p>
@@ -8112,14 +8112,13 @@
               </a:ext>
             </a:extLst>
           </a:blip>
-          <a:stretch>
-            <a:fillRect/>
-          </a:stretch>
+          <a:srcRect/>
+          <a:stretch/>
         </p:blipFill>
         <p:spPr>
           <a:xfrm>
-            <a:off x="4460855" y="2093053"/>
-            <a:ext cx="7180395" cy="4155347"/>
+            <a:off x="4460855" y="2128028"/>
+            <a:ext cx="7180395" cy="4085397"/>
           </a:xfrm>
           <a:prstGeom prst="rect">
             <a:avLst/>
